--- a/04-Async/Многопоточное программирование.pptx
+++ b/04-Async/Многопоточное программирование.pptx
@@ -310,7 +310,7 @@
           <a:p>
             <a:fld id="{996191FB-E1B3-D843-A691-7E4FF39C71A0}" type="datetimeFigureOut">
               <a:rPr lang="en-US" smtClean="0"/>
-              <a:t>22.11.13</a:t>
+              <a:t>11/23/2013</a:t>
             </a:fld>
             <a:endParaRPr lang="en-US"/>
           </a:p>
@@ -481,7 +481,7 @@
           <a:p>
             <a:fld id="{996191FB-E1B3-D843-A691-7E4FF39C71A0}" type="datetimeFigureOut">
               <a:rPr lang="en-US" smtClean="0"/>
-              <a:t>22.11.13</a:t>
+              <a:t>11/23/2013</a:t>
             </a:fld>
             <a:endParaRPr lang="en-US"/>
           </a:p>
@@ -661,7 +661,7 @@
           <a:p>
             <a:fld id="{996191FB-E1B3-D843-A691-7E4FF39C71A0}" type="datetimeFigureOut">
               <a:rPr lang="en-US" smtClean="0"/>
-              <a:t>22.11.13</a:t>
+              <a:t>11/23/2013</a:t>
             </a:fld>
             <a:endParaRPr lang="en-US"/>
           </a:p>
@@ -831,7 +831,7 @@
           <a:p>
             <a:fld id="{996191FB-E1B3-D843-A691-7E4FF39C71A0}" type="datetimeFigureOut">
               <a:rPr lang="en-US" smtClean="0"/>
-              <a:t>22.11.13</a:t>
+              <a:t>11/23/2013</a:t>
             </a:fld>
             <a:endParaRPr lang="en-US"/>
           </a:p>
@@ -1077,7 +1077,7 @@
           <a:p>
             <a:fld id="{996191FB-E1B3-D843-A691-7E4FF39C71A0}" type="datetimeFigureOut">
               <a:rPr lang="en-US" smtClean="0"/>
-              <a:t>22.11.13</a:t>
+              <a:t>11/23/2013</a:t>
             </a:fld>
             <a:endParaRPr lang="en-US"/>
           </a:p>
@@ -1366,7 +1366,7 @@
           <a:p>
             <a:fld id="{996191FB-E1B3-D843-A691-7E4FF39C71A0}" type="datetimeFigureOut">
               <a:rPr lang="en-US" smtClean="0"/>
-              <a:t>22.11.13</a:t>
+              <a:t>11/23/2013</a:t>
             </a:fld>
             <a:endParaRPr lang="en-US"/>
           </a:p>
@@ -1788,7 +1788,7 @@
           <a:p>
             <a:fld id="{996191FB-E1B3-D843-A691-7E4FF39C71A0}" type="datetimeFigureOut">
               <a:rPr lang="en-US" smtClean="0"/>
-              <a:t>22.11.13</a:t>
+              <a:t>11/23/2013</a:t>
             </a:fld>
             <a:endParaRPr lang="en-US"/>
           </a:p>
@@ -1906,7 +1906,7 @@
           <a:p>
             <a:fld id="{996191FB-E1B3-D843-A691-7E4FF39C71A0}" type="datetimeFigureOut">
               <a:rPr lang="en-US" smtClean="0"/>
-              <a:t>22.11.13</a:t>
+              <a:t>11/23/2013</a:t>
             </a:fld>
             <a:endParaRPr lang="en-US"/>
           </a:p>
@@ -2001,7 +2001,7 @@
           <a:p>
             <a:fld id="{996191FB-E1B3-D843-A691-7E4FF39C71A0}" type="datetimeFigureOut">
               <a:rPr lang="en-US" smtClean="0"/>
-              <a:t>22.11.13</a:t>
+              <a:t>11/23/2013</a:t>
             </a:fld>
             <a:endParaRPr lang="en-US"/>
           </a:p>
@@ -2278,7 +2278,7 @@
           <a:p>
             <a:fld id="{996191FB-E1B3-D843-A691-7E4FF39C71A0}" type="datetimeFigureOut">
               <a:rPr lang="en-US" smtClean="0"/>
-              <a:t>22.11.13</a:t>
+              <a:t>11/23/2013</a:t>
             </a:fld>
             <a:endParaRPr lang="en-US"/>
           </a:p>
@@ -2531,7 +2531,7 @@
           <a:p>
             <a:fld id="{996191FB-E1B3-D843-A691-7E4FF39C71A0}" type="datetimeFigureOut">
               <a:rPr lang="en-US" smtClean="0"/>
-              <a:t>22.11.13</a:t>
+              <a:t>11/23/2013</a:t>
             </a:fld>
             <a:endParaRPr lang="en-US"/>
           </a:p>
@@ -2744,7 +2744,7 @@
           <a:p>
             <a:fld id="{996191FB-E1B3-D843-A691-7E4FF39C71A0}" type="datetimeFigureOut">
               <a:rPr lang="en-US" smtClean="0"/>
-              <a:t>22.11.13</a:t>
+              <a:t>11/23/2013</a:t>
             </a:fld>
             <a:endParaRPr lang="en-US"/>
           </a:p>
@@ -3163,6 +3163,14 @@
           <a:bodyPr/>
           <a:lstStyle/>
           <a:p>
+            <a:r>
+              <a:rPr lang="ru-RU" dirty="0" err="1" smtClean="0"/>
+              <a:t>Контур.Кампус</a:t>
+            </a:r>
+            <a:r>
+              <a:rPr lang="ru-RU" dirty="0" smtClean="0"/>
+              <a:t> осень 2013</a:t>
+            </a:r>
             <a:endParaRPr lang="en-US" dirty="0"/>
           </a:p>
         </p:txBody>
@@ -3180,7 +3188,7 @@
   <p:timing>
     <p:tnLst>
       <p:par>
-        <p:cTn xmlns:p14="http://schemas.microsoft.com/office/powerpoint/2010/main" id="1" dur="indefinite" restart="never" nodeType="tmRoot"/>
+        <p:cTn id="1" dur="indefinite" restart="never" nodeType="tmRoot"/>
       </p:par>
     </p:tnLst>
   </p:timing>
@@ -3235,15 +3243,7 @@
             </a:br>
             <a:r>
               <a:rPr lang="ru-RU" dirty="0" smtClean="0"/>
-              <a:t>Вытесняющая многозадачность </a:t>
-            </a:r>
-            <a:r>
-              <a:rPr lang="ru-RU" dirty="0" smtClean="0"/>
-              <a:t>это</a:t>
-            </a:r>
-            <a:r>
-              <a:rPr lang="ru-RU" dirty="0" smtClean="0"/>
-              <a:t/>
+              <a:t>Вытесняющая многозадачность это</a:t>
             </a:r>
             <a:br>
               <a:rPr lang="ru-RU" dirty="0" smtClean="0"/>
@@ -3332,7 +3332,7 @@
   <p:timing>
     <p:tnLst>
       <p:par>
-        <p:cTn xmlns:p14="http://schemas.microsoft.com/office/powerpoint/2010/main" id="1" dur="indefinite" restart="never" nodeType="tmRoot"/>
+        <p:cTn id="1" dur="indefinite" restart="never" nodeType="tmRoot"/>
       </p:par>
     </p:tnLst>
   </p:timing>
@@ -3387,7 +3387,7 @@
           </a:prstGeom>
           <a:noFill/>
           <a:extLst>
-            <a:ext uri="{909E8E84-426E-40dd-AFC4-6F175D3DCCD1}">
+            <a:ext uri="{909E8E84-426E-40DD-AFC4-6F175D3DCCD1}">
               <a14:hiddenFill xmlns:a14="http://schemas.microsoft.com/office/drawing/2010/main">
                 <a:solidFill>
                   <a:srgbClr val="FFFFFF"/>
@@ -3465,6 +3465,13 @@
   <p:clrMapOvr>
     <a:masterClrMapping/>
   </p:clrMapOvr>
+  <p:timing>
+    <p:tnLst>
+      <p:par>
+        <p:cTn id="1" dur="indefinite" restart="never" nodeType="tmRoot"/>
+      </p:par>
+    </p:tnLst>
+  </p:timing>
 </p:sld>
 </file>
 
@@ -3657,18 +3664,18 @@
   <p:clrMapOvr>
     <a:masterClrMapping/>
   </p:clrMapOvr>
-  <mc:AlternateContent xmlns:mc="http://schemas.openxmlformats.org/markup-compatibility/2006">
-    <mc:Choice xmlns:p14="http://schemas.microsoft.com/office/powerpoint/2010/main" Requires="p14">
+  <mc:AlternateContent xmlns:mc="http://schemas.openxmlformats.org/markup-compatibility/2006" xmlns:p14="http://schemas.microsoft.com/office/powerpoint/2010/main">
+    <mc:Choice Requires="p14">
       <p:transition p14:dur="0"/>
     </mc:Choice>
-    <mc:Fallback>
+    <mc:Fallback xmlns="">
       <p:transition xmlns:p14="http://schemas.microsoft.com/office/powerpoint/2010/main"/>
     </mc:Fallback>
   </mc:AlternateContent>
   <p:timing>
     <p:tnLst>
       <p:par>
-        <p:cTn xmlns:p14="http://schemas.microsoft.com/office/powerpoint/2010/main" id="1" dur="indefinite" restart="never" nodeType="tmRoot">
+        <p:cTn id="1" dur="indefinite" restart="never" nodeType="tmRoot">
           <p:childTnLst>
             <p:seq concurrent="1" nextAc="seek">
               <p:cTn id="2" dur="indefinite" nodeType="mainSeq">
@@ -3944,7 +3951,7 @@
   <p:timing>
     <p:tnLst>
       <p:par>
-        <p:cTn xmlns:p14="http://schemas.microsoft.com/office/powerpoint/2010/main" id="1" dur="indefinite" restart="never" nodeType="tmRoot"/>
+        <p:cTn id="1" dur="indefinite" restart="never" nodeType="tmRoot"/>
       </p:par>
     </p:tnLst>
   </p:timing>
@@ -4111,7 +4118,7 @@
   <p:timing>
     <p:tnLst>
       <p:par>
-        <p:cTn xmlns:p14="http://schemas.microsoft.com/office/powerpoint/2010/main" id="1" dur="indefinite" restart="never" nodeType="tmRoot"/>
+        <p:cTn id="1" dur="indefinite" restart="never" nodeType="tmRoot"/>
       </p:par>
     </p:tnLst>
   </p:timing>
@@ -4414,7 +4421,7 @@
   <p:timing>
     <p:tnLst>
       <p:par>
-        <p:cTn xmlns:p14="http://schemas.microsoft.com/office/powerpoint/2010/main" id="1" dur="indefinite" restart="never" nodeType="tmRoot"/>
+        <p:cTn id="1" dur="indefinite" restart="never" nodeType="tmRoot"/>
       </p:par>
     </p:tnLst>
   </p:timing>
@@ -4564,6 +4571,13 @@
   <p:clrMapOvr>
     <a:masterClrMapping/>
   </p:clrMapOvr>
+  <p:timing>
+    <p:tnLst>
+      <p:par>
+        <p:cTn id="1" dur="indefinite" restart="never" nodeType="tmRoot"/>
+      </p:par>
+    </p:tnLst>
+  </p:timing>
 </p:sld>
 </file>
 
@@ -4615,7 +4629,7 @@
           </a:prstGeom>
           <a:noFill/>
           <a:extLst>
-            <a:ext uri="{909E8E84-426E-40dd-AFC4-6F175D3DCCD1}">
+            <a:ext uri="{909E8E84-426E-40DD-AFC4-6F175D3DCCD1}">
               <a14:hiddenFill xmlns:a14="http://schemas.microsoft.com/office/drawing/2010/main">
                 <a:solidFill>
                   <a:srgbClr val="FFFFFF"/>
@@ -4635,6 +4649,13 @@
   <p:clrMapOvr>
     <a:masterClrMapping/>
   </p:clrMapOvr>
+  <p:timing>
+    <p:tnLst>
+      <p:par>
+        <p:cTn id="1" dur="indefinite" restart="never" nodeType="tmRoot"/>
+      </p:par>
+    </p:tnLst>
+  </p:timing>
 </p:sld>
 </file>
 
@@ -4709,7 +4730,7 @@
           </a:prstGeom>
           <a:noFill/>
           <a:extLst>
-            <a:ext uri="{909E8E84-426E-40dd-AFC4-6F175D3DCCD1}">
+            <a:ext uri="{909E8E84-426E-40DD-AFC4-6F175D3DCCD1}">
               <a14:hiddenFill xmlns:a14="http://schemas.microsoft.com/office/drawing/2010/main">
                 <a:solidFill>
                   <a:srgbClr val="FFFFFF"/>
@@ -4762,7 +4783,7 @@
   <p:timing>
     <p:tnLst>
       <p:par>
-        <p:cTn xmlns:p14="http://schemas.microsoft.com/office/powerpoint/2010/main" id="1" dur="indefinite" restart="never" nodeType="tmRoot">
+        <p:cTn id="1" dur="indefinite" restart="never" nodeType="tmRoot">
           <p:childTnLst>
             <p:seq concurrent="1" nextAc="seek">
               <p:cTn id="2" dur="indefinite" nodeType="mainSeq">
@@ -4954,7 +4975,7 @@
           </a:prstGeom>
           <a:noFill/>
           <a:extLst>
-            <a:ext uri="{909E8E84-426E-40dd-AFC4-6F175D3DCCD1}">
+            <a:ext uri="{909E8E84-426E-40DD-AFC4-6F175D3DCCD1}">
               <a14:hiddenFill xmlns:a14="http://schemas.microsoft.com/office/drawing/2010/main">
                 <a:solidFill>
                   <a:srgbClr val="FFFFFF"/>
@@ -5016,6 +5037,13 @@
   <p:clrMapOvr>
     <a:masterClrMapping/>
   </p:clrMapOvr>
+  <p:timing>
+    <p:tnLst>
+      <p:par>
+        <p:cTn id="1" dur="indefinite" restart="never" nodeType="tmRoot"/>
+      </p:par>
+    </p:tnLst>
+  </p:timing>
 </p:sld>
 </file>
 
@@ -5092,7 +5120,7 @@
           </a:prstGeom>
           <a:noFill/>
           <a:extLst>
-            <a:ext uri="{909E8E84-426E-40dd-AFC4-6F175D3DCCD1}">
+            <a:ext uri="{909E8E84-426E-40DD-AFC4-6F175D3DCCD1}">
               <a14:hiddenFill xmlns:a14="http://schemas.microsoft.com/office/drawing/2010/main">
                 <a:solidFill>
                   <a:srgbClr val="FFFFFF"/>
@@ -5145,7 +5173,7 @@
   <p:timing>
     <p:tnLst>
       <p:par>
-        <p:cTn xmlns:p14="http://schemas.microsoft.com/office/powerpoint/2010/main" id="1" dur="indefinite" restart="never" nodeType="tmRoot">
+        <p:cTn id="1" dur="indefinite" restart="never" nodeType="tmRoot">
           <p:childTnLst>
             <p:seq concurrent="1" nextAc="seek">
               <p:cTn id="2" dur="indefinite" nodeType="mainSeq">
@@ -5409,6 +5437,13 @@
   <p:clrMapOvr>
     <a:masterClrMapping/>
   </p:clrMapOvr>
+  <p:timing>
+    <p:tnLst>
+      <p:par>
+        <p:cTn id="1" dur="indefinite" restart="never" nodeType="tmRoot"/>
+      </p:par>
+    </p:tnLst>
+  </p:timing>
 </p:sld>
 </file>
 
@@ -5623,7 +5658,7 @@
   <p:timing>
     <p:tnLst>
       <p:par>
-        <p:cTn xmlns:p14="http://schemas.microsoft.com/office/powerpoint/2010/main" id="1" dur="indefinite" restart="never" nodeType="tmRoot"/>
+        <p:cTn id="1" dur="indefinite" restart="never" nodeType="tmRoot"/>
       </p:par>
     </p:tnLst>
   </p:timing>
@@ -5799,6 +5834,13 @@
   <p:clrMapOvr>
     <a:masterClrMapping/>
   </p:clrMapOvr>
+  <p:timing>
+    <p:tnLst>
+      <p:par>
+        <p:cTn id="1" dur="indefinite" restart="never" nodeType="tmRoot"/>
+      </p:par>
+    </p:tnLst>
+  </p:timing>
 </p:sld>
 </file>
 
@@ -5850,7 +5892,7 @@
           </a:prstGeom>
           <a:noFill/>
           <a:extLst>
-            <a:ext uri="{909E8E84-426E-40dd-AFC4-6F175D3DCCD1}">
+            <a:ext uri="{909E8E84-426E-40DD-AFC4-6F175D3DCCD1}">
               <a14:hiddenFill xmlns:a14="http://schemas.microsoft.com/office/drawing/2010/main">
                 <a:solidFill>
                   <a:srgbClr val="FFFFFF"/>
@@ -5873,7 +5915,7 @@
   <p:timing>
     <p:tnLst>
       <p:par>
-        <p:cTn xmlns:p14="http://schemas.microsoft.com/office/powerpoint/2010/main" id="1" dur="indefinite" restart="never" nodeType="tmRoot"/>
+        <p:cTn id="1" dur="indefinite" restart="never" nodeType="tmRoot"/>
       </p:par>
     </p:tnLst>
   </p:timing>
@@ -5958,7 +6000,7 @@
   <p:timing>
     <p:tnLst>
       <p:par>
-        <p:cTn xmlns:p14="http://schemas.microsoft.com/office/powerpoint/2010/main" id="1" dur="indefinite" restart="never" nodeType="tmRoot"/>
+        <p:cTn id="1" dur="indefinite" restart="never" nodeType="tmRoot"/>
       </p:par>
     </p:tnLst>
   </p:timing>
@@ -6048,7 +6090,7 @@
   <p:timing>
     <p:tnLst>
       <p:par>
-        <p:cTn xmlns:p14="http://schemas.microsoft.com/office/powerpoint/2010/main" id="1" dur="indefinite" restart="never" nodeType="tmRoot"/>
+        <p:cTn id="1" dur="indefinite" restart="never" nodeType="tmRoot"/>
       </p:par>
     </p:tnLst>
   </p:timing>
@@ -6329,7 +6371,7 @@
   <p:timing>
     <p:tnLst>
       <p:par>
-        <p:cTn xmlns:p14="http://schemas.microsoft.com/office/powerpoint/2010/main" id="1" dur="indefinite" restart="never" nodeType="tmRoot"/>
+        <p:cTn id="1" dur="indefinite" restart="never" nodeType="tmRoot"/>
       </p:par>
     </p:tnLst>
   </p:timing>
@@ -6419,7 +6461,7 @@
   <p:timing>
     <p:tnLst>
       <p:par>
-        <p:cTn xmlns:p14="http://schemas.microsoft.com/office/powerpoint/2010/main" id="1" dur="indefinite" restart="never" nodeType="tmRoot"/>
+        <p:cTn id="1" dur="indefinite" restart="never" nodeType="tmRoot"/>
       </p:par>
     </p:tnLst>
   </p:timing>
@@ -6573,7 +6615,7 @@
           </a:prstGeom>
           <a:noFill/>
           <a:extLst>
-            <a:ext uri="{909E8E84-426E-40dd-AFC4-6F175D3DCCD1}">
+            <a:ext uri="{909E8E84-426E-40DD-AFC4-6F175D3DCCD1}">
               <a14:hiddenFill xmlns:a14="http://schemas.microsoft.com/office/drawing/2010/main">
                 <a:solidFill>
                   <a:srgbClr val="FFFFFF"/>
@@ -6596,7 +6638,7 @@
   <p:timing>
     <p:tnLst>
       <p:par>
-        <p:cTn xmlns:p14="http://schemas.microsoft.com/office/powerpoint/2010/main" id="1" dur="indefinite" restart="never" nodeType="tmRoot"/>
+        <p:cTn id="1" dur="indefinite" restart="never" nodeType="tmRoot"/>
       </p:par>
     </p:tnLst>
   </p:timing>
@@ -6742,7 +6784,7 @@
   <p:timing>
     <p:tnLst>
       <p:par>
-        <p:cTn xmlns:p14="http://schemas.microsoft.com/office/powerpoint/2010/main" id="1" dur="indefinite" restart="never" nodeType="tmRoot"/>
+        <p:cTn id="1" dur="indefinite" restart="never" nodeType="tmRoot"/>
       </p:par>
     </p:tnLst>
   </p:timing>
@@ -6863,7 +6905,7 @@
   <p:timing>
     <p:tnLst>
       <p:par>
-        <p:cTn xmlns:p14="http://schemas.microsoft.com/office/powerpoint/2010/main" id="1" dur="indefinite" restart="never" nodeType="tmRoot"/>
+        <p:cTn id="1" dur="indefinite" restart="never" nodeType="tmRoot"/>
       </p:par>
     </p:tnLst>
   </p:timing>
